--- a/網頁架設操作.pptx
+++ b/網頁架設操作.pptx
@@ -6,11 +6,16 @@
   </p:sldMasterIdLst>
   <p:sldIdLst>
     <p:sldId id="256" r:id="rId2"/>
-    <p:sldId id="262" r:id="rId3"/>
-    <p:sldId id="257" r:id="rId4"/>
-    <p:sldId id="259" r:id="rId5"/>
-    <p:sldId id="260" r:id="rId6"/>
-    <p:sldId id="261" r:id="rId7"/>
+    <p:sldId id="263" r:id="rId3"/>
+    <p:sldId id="262" r:id="rId4"/>
+    <p:sldId id="264" r:id="rId5"/>
+    <p:sldId id="257" r:id="rId6"/>
+    <p:sldId id="259" r:id="rId7"/>
+    <p:sldId id="260" r:id="rId8"/>
+    <p:sldId id="261" r:id="rId9"/>
+    <p:sldId id="265" r:id="rId10"/>
+    <p:sldId id="266" r:id="rId11"/>
+    <p:sldId id="267" r:id="rId12"/>
   </p:sldIdLst>
   <p:sldSz cx="9144000" cy="6858000" type="screen4x3"/>
   <p:notesSz cx="6858000" cy="9144000"/>
@@ -248,7 +253,7 @@
           <a:p>
             <a:fld id="{8C29D1D9-DA28-49D2-8818-EC1DF4C58850}" type="datetimeFigureOut">
               <a:rPr lang="zh-TW" altLang="en-US" smtClean="0"/>
-              <a:t>2019/9/30</a:t>
+              <a:t>2019/10/6</a:t>
             </a:fld>
             <a:endParaRPr lang="zh-TW" altLang="en-US"/>
           </a:p>
@@ -418,7 +423,7 @@
           <a:p>
             <a:fld id="{8C29D1D9-DA28-49D2-8818-EC1DF4C58850}" type="datetimeFigureOut">
               <a:rPr lang="zh-TW" altLang="en-US" smtClean="0"/>
-              <a:t>2019/9/30</a:t>
+              <a:t>2019/10/6</a:t>
             </a:fld>
             <a:endParaRPr lang="zh-TW" altLang="en-US"/>
           </a:p>
@@ -598,7 +603,7 @@
           <a:p>
             <a:fld id="{8C29D1D9-DA28-49D2-8818-EC1DF4C58850}" type="datetimeFigureOut">
               <a:rPr lang="zh-TW" altLang="en-US" smtClean="0"/>
-              <a:t>2019/9/30</a:t>
+              <a:t>2019/10/6</a:t>
             </a:fld>
             <a:endParaRPr lang="zh-TW" altLang="en-US"/>
           </a:p>
@@ -768,7 +773,7 @@
           <a:p>
             <a:fld id="{8C29D1D9-DA28-49D2-8818-EC1DF4C58850}" type="datetimeFigureOut">
               <a:rPr lang="zh-TW" altLang="en-US" smtClean="0"/>
-              <a:t>2019/9/30</a:t>
+              <a:t>2019/10/6</a:t>
             </a:fld>
             <a:endParaRPr lang="zh-TW" altLang="en-US"/>
           </a:p>
@@ -1012,7 +1017,7 @@
           <a:p>
             <a:fld id="{8C29D1D9-DA28-49D2-8818-EC1DF4C58850}" type="datetimeFigureOut">
               <a:rPr lang="zh-TW" altLang="en-US" smtClean="0"/>
-              <a:t>2019/9/30</a:t>
+              <a:t>2019/10/6</a:t>
             </a:fld>
             <a:endParaRPr lang="zh-TW" altLang="en-US"/>
           </a:p>
@@ -1244,7 +1249,7 @@
           <a:p>
             <a:fld id="{8C29D1D9-DA28-49D2-8818-EC1DF4C58850}" type="datetimeFigureOut">
               <a:rPr lang="zh-TW" altLang="en-US" smtClean="0"/>
-              <a:t>2019/9/30</a:t>
+              <a:t>2019/10/6</a:t>
             </a:fld>
             <a:endParaRPr lang="zh-TW" altLang="en-US"/>
           </a:p>
@@ -1611,7 +1616,7 @@
           <a:p>
             <a:fld id="{8C29D1D9-DA28-49D2-8818-EC1DF4C58850}" type="datetimeFigureOut">
               <a:rPr lang="zh-TW" altLang="en-US" smtClean="0"/>
-              <a:t>2019/9/30</a:t>
+              <a:t>2019/10/6</a:t>
             </a:fld>
             <a:endParaRPr lang="zh-TW" altLang="en-US"/>
           </a:p>
@@ -1729,7 +1734,7 @@
           <a:p>
             <a:fld id="{8C29D1D9-DA28-49D2-8818-EC1DF4C58850}" type="datetimeFigureOut">
               <a:rPr lang="zh-TW" altLang="en-US" smtClean="0"/>
-              <a:t>2019/9/30</a:t>
+              <a:t>2019/10/6</a:t>
             </a:fld>
             <a:endParaRPr lang="zh-TW" altLang="en-US"/>
           </a:p>
@@ -1824,7 +1829,7 @@
           <a:p>
             <a:fld id="{8C29D1D9-DA28-49D2-8818-EC1DF4C58850}" type="datetimeFigureOut">
               <a:rPr lang="zh-TW" altLang="en-US" smtClean="0"/>
-              <a:t>2019/9/30</a:t>
+              <a:t>2019/10/6</a:t>
             </a:fld>
             <a:endParaRPr lang="zh-TW" altLang="en-US"/>
           </a:p>
@@ -2101,7 +2106,7 @@
           <a:p>
             <a:fld id="{8C29D1D9-DA28-49D2-8818-EC1DF4C58850}" type="datetimeFigureOut">
               <a:rPr lang="zh-TW" altLang="en-US" smtClean="0"/>
-              <a:t>2019/9/30</a:t>
+              <a:t>2019/10/6</a:t>
             </a:fld>
             <a:endParaRPr lang="zh-TW" altLang="en-US"/>
           </a:p>
@@ -2358,7 +2363,7 @@
           <a:p>
             <a:fld id="{8C29D1D9-DA28-49D2-8818-EC1DF4C58850}" type="datetimeFigureOut">
               <a:rPr lang="zh-TW" altLang="en-US" smtClean="0"/>
-              <a:t>2019/9/30</a:t>
+              <a:t>2019/10/6</a:t>
             </a:fld>
             <a:endParaRPr lang="zh-TW" altLang="en-US"/>
           </a:p>
@@ -2571,7 +2576,7 @@
           <a:p>
             <a:fld id="{8C29D1D9-DA28-49D2-8818-EC1DF4C58850}" type="datetimeFigureOut">
               <a:rPr lang="zh-TW" altLang="en-US" smtClean="0"/>
-              <a:t>2019/9/30</a:t>
+              <a:t>2019/10/6</a:t>
             </a:fld>
             <a:endParaRPr lang="zh-TW" altLang="en-US"/>
           </a:p>
@@ -2981,7 +2986,7 @@
           <p:cNvPr id="2" name="標題 1">
             <a:extLst>
               <a:ext uri="{FF2B5EF4-FFF2-40B4-BE49-F238E27FC236}">
-                <a16:creationId xmlns:a16="http://schemas.microsoft.com/office/drawing/2014/main" xmlns="" id="{9B55C0A2-EC49-4C7D-B65B-2FB4AD7EEC83}"/>
+                <a16:creationId xmlns:a16="http://schemas.microsoft.com/office/drawing/2014/main" id="{9B55C0A2-EC49-4C7D-B65B-2FB4AD7EEC83}"/>
               </a:ext>
             </a:extLst>
           </p:cNvPr>
@@ -2998,16 +3003,8 @@
           <a:lstStyle/>
           <a:p>
             <a:r>
-              <a:rPr lang="en-US" altLang="zh-TW" dirty="0" smtClean="0"/>
-              <a:t>XAMPP</a:t>
-            </a:r>
-            <a:r>
-              <a:rPr lang="zh-TW" altLang="en-US" dirty="0" smtClean="0"/>
-              <a:t>架設</a:t>
-            </a:r>
-            <a:r>
               <a:rPr lang="zh-TW" altLang="en-US" dirty="0"/>
-              <a:t>操作</a:t>
+              <a:t>網頁架設操作</a:t>
             </a:r>
           </a:p>
         </p:txBody>
@@ -3017,7 +3014,7 @@
           <p:cNvPr id="3" name="副標題 2">
             <a:extLst>
               <a:ext uri="{FF2B5EF4-FFF2-40B4-BE49-F238E27FC236}">
-                <a16:creationId xmlns:a16="http://schemas.microsoft.com/office/drawing/2014/main" xmlns="" id="{E36C92C6-7EBC-437B-84D5-4F6B61E54101}"/>
+                <a16:creationId xmlns:a16="http://schemas.microsoft.com/office/drawing/2014/main" id="{E36C92C6-7EBC-437B-84D5-4F6B61E54101}"/>
               </a:ext>
             </a:extLst>
           </p:cNvPr>
@@ -3044,6 +3041,138 @@
     <p:extLst>
       <p:ext uri="{BB962C8B-B14F-4D97-AF65-F5344CB8AC3E}">
         <p14:creationId xmlns:p14="http://schemas.microsoft.com/office/powerpoint/2010/main" val="2951227566"/>
+      </p:ext>
+    </p:extLst>
+  </p:cSld>
+  <p:clrMapOvr>
+    <a:masterClrMapping/>
+  </p:clrMapOvr>
+</p:sld>
+</file>
+
+<file path=ppt/slides/slide10.xml><?xml version="1.0" encoding="utf-8"?>
+<p:sld xmlns:a="http://schemas.openxmlformats.org/drawingml/2006/main" xmlns:r="http://schemas.openxmlformats.org/officeDocument/2006/relationships" xmlns:p="http://schemas.openxmlformats.org/presentationml/2006/main">
+  <p:cSld>
+    <p:spTree>
+      <p:nvGrpSpPr>
+        <p:cNvPr id="1" name=""/>
+        <p:cNvGrpSpPr/>
+        <p:nvPr/>
+      </p:nvGrpSpPr>
+      <p:grpSpPr>
+        <a:xfrm>
+          <a:off x="0" y="0"/>
+          <a:ext cx="0" cy="0"/>
+          <a:chOff x="0" y="0"/>
+          <a:chExt cx="0" cy="0"/>
+        </a:xfrm>
+      </p:grpSpPr>
+      <p:pic>
+        <p:nvPicPr>
+          <p:cNvPr id="5" name="圖片 4">
+            <a:extLst>
+              <a:ext uri="{FF2B5EF4-FFF2-40B4-BE49-F238E27FC236}">
+                <a16:creationId xmlns:a16="http://schemas.microsoft.com/office/drawing/2014/main" id="{04D1AFC8-F30B-446A-9ABE-DEF770053D66}"/>
+              </a:ext>
+            </a:extLst>
+          </p:cNvPr>
+          <p:cNvPicPr>
+            <a:picLocks noChangeAspect="1"/>
+          </p:cNvPicPr>
+          <p:nvPr/>
+        </p:nvPicPr>
+        <p:blipFill>
+          <a:blip r:embed="rId2">
+            <a:extLst>
+              <a:ext uri="{28A0092B-C50C-407E-A947-70E740481C1C}">
+                <a14:useLocalDpi xmlns:a14="http://schemas.microsoft.com/office/drawing/2010/main" val="0"/>
+              </a:ext>
+            </a:extLst>
+          </a:blip>
+          <a:stretch>
+            <a:fillRect/>
+          </a:stretch>
+        </p:blipFill>
+        <p:spPr>
+          <a:xfrm>
+            <a:off x="70809" y="890233"/>
+            <a:ext cx="9002381" cy="5077534"/>
+          </a:xfrm>
+          <a:prstGeom prst="rect">
+            <a:avLst/>
+          </a:prstGeom>
+        </p:spPr>
+      </p:pic>
+    </p:spTree>
+    <p:extLst>
+      <p:ext uri="{BB962C8B-B14F-4D97-AF65-F5344CB8AC3E}">
+        <p14:creationId xmlns:p14="http://schemas.microsoft.com/office/powerpoint/2010/main" val="139119195"/>
+      </p:ext>
+    </p:extLst>
+  </p:cSld>
+  <p:clrMapOvr>
+    <a:masterClrMapping/>
+  </p:clrMapOvr>
+</p:sld>
+</file>
+
+<file path=ppt/slides/slide11.xml><?xml version="1.0" encoding="utf-8"?>
+<p:sld xmlns:a="http://schemas.openxmlformats.org/drawingml/2006/main" xmlns:r="http://schemas.openxmlformats.org/officeDocument/2006/relationships" xmlns:p="http://schemas.openxmlformats.org/presentationml/2006/main">
+  <p:cSld>
+    <p:spTree>
+      <p:nvGrpSpPr>
+        <p:cNvPr id="1" name=""/>
+        <p:cNvGrpSpPr/>
+        <p:nvPr/>
+      </p:nvGrpSpPr>
+      <p:grpSpPr>
+        <a:xfrm>
+          <a:off x="0" y="0"/>
+          <a:ext cx="0" cy="0"/>
+          <a:chOff x="0" y="0"/>
+          <a:chExt cx="0" cy="0"/>
+        </a:xfrm>
+      </p:grpSpPr>
+      <p:pic>
+        <p:nvPicPr>
+          <p:cNvPr id="3" name="圖片 2">
+            <a:extLst>
+              <a:ext uri="{FF2B5EF4-FFF2-40B4-BE49-F238E27FC236}">
+                <a16:creationId xmlns:a16="http://schemas.microsoft.com/office/drawing/2014/main" id="{B0DADA75-D2A5-4490-9F3F-BFE311AAB488}"/>
+              </a:ext>
+            </a:extLst>
+          </p:cNvPr>
+          <p:cNvPicPr>
+            <a:picLocks noChangeAspect="1"/>
+          </p:cNvPicPr>
+          <p:nvPr/>
+        </p:nvPicPr>
+        <p:blipFill>
+          <a:blip r:embed="rId2">
+            <a:extLst>
+              <a:ext uri="{28A0092B-C50C-407E-A947-70E740481C1C}">
+                <a14:useLocalDpi xmlns:a14="http://schemas.microsoft.com/office/drawing/2010/main" val="0"/>
+              </a:ext>
+            </a:extLst>
+          </a:blip>
+          <a:stretch>
+            <a:fillRect/>
+          </a:stretch>
+        </p:blipFill>
+        <p:spPr>
+          <a:xfrm>
+            <a:off x="1188720" y="0"/>
+            <a:ext cx="6766560" cy="6858000"/>
+          </a:xfrm>
+          <a:prstGeom prst="rect">
+            <a:avLst/>
+          </a:prstGeom>
+        </p:spPr>
+      </p:pic>
+    </p:spTree>
+    <p:extLst>
+      <p:ext uri="{BB962C8B-B14F-4D97-AF65-F5344CB8AC3E}">
+        <p14:creationId xmlns:p14="http://schemas.microsoft.com/office/powerpoint/2010/main" val="1961622473"/>
       </p:ext>
     </p:extLst>
   </p:cSld>
@@ -3072,7 +3201,13 @@
       </p:grpSpPr>
       <p:pic>
         <p:nvPicPr>
-          <p:cNvPr id="4" name="圖片 3"/>
+          <p:cNvPr id="3" name="圖片 2">
+            <a:extLst>
+              <a:ext uri="{FF2B5EF4-FFF2-40B4-BE49-F238E27FC236}">
+                <a16:creationId xmlns:a16="http://schemas.microsoft.com/office/drawing/2014/main" id="{41808DAD-77AC-4007-A34E-7EE2C0D718C5}"/>
+              </a:ext>
+            </a:extLst>
+          </p:cNvPr>
           <p:cNvPicPr>
             <a:picLocks noChangeAspect="1"/>
           </p:cNvPicPr>
@@ -3092,18 +3227,66 @@
         </p:blipFill>
         <p:spPr>
           <a:xfrm>
-            <a:off x="2128497" y="1390366"/>
-            <a:ext cx="4887007" cy="4077269"/>
+            <a:off x="1649481" y="1472347"/>
+            <a:ext cx="5845038" cy="4948489"/>
           </a:xfrm>
           <a:prstGeom prst="rect">
             <a:avLst/>
           </a:prstGeom>
         </p:spPr>
       </p:pic>
+      <p:sp>
+        <p:nvSpPr>
+          <p:cNvPr id="4" name="矩形 3">
+            <a:extLst>
+              <a:ext uri="{FF2B5EF4-FFF2-40B4-BE49-F238E27FC236}">
+                <a16:creationId xmlns:a16="http://schemas.microsoft.com/office/drawing/2014/main" id="{258B6089-65F1-4630-8BFC-F91E7283EE37}"/>
+              </a:ext>
+            </a:extLst>
+          </p:cNvPr>
+          <p:cNvSpPr/>
+          <p:nvPr/>
+        </p:nvSpPr>
+        <p:spPr>
+          <a:xfrm>
+            <a:off x="1363429" y="437164"/>
+            <a:ext cx="6417141" cy="923330"/>
+          </a:xfrm>
+          <a:prstGeom prst="rect">
+            <a:avLst/>
+          </a:prstGeom>
+          <a:noFill/>
+        </p:spPr>
+        <p:txBody>
+          <a:bodyPr wrap="none" lIns="91440" tIns="45720" rIns="91440" bIns="45720">
+            <a:spAutoFit/>
+          </a:bodyPr>
+          <a:lstStyle/>
+          <a:p>
+            <a:pPr algn="ctr"/>
+            <a:r>
+              <a:rPr lang="zh-TW" altLang="en-US" sz="5400" b="0" cap="none" spc="0" dirty="0">
+                <a:ln w="0"/>
+                <a:solidFill>
+                  <a:schemeClr val="tx1"/>
+                </a:solidFill>
+                <a:effectLst>
+                  <a:outerShdw blurRad="38100" dist="19050" dir="2700000" algn="tl" rotWithShape="0">
+                    <a:schemeClr val="dk1">
+                      <a:alpha val="40000"/>
+                    </a:schemeClr>
+                  </a:outerShdw>
+                </a:effectLst>
+              </a:rPr>
+              <a:t>勾選需要安裝的內容</a:t>
+            </a:r>
+          </a:p>
+        </p:txBody>
+      </p:sp>
     </p:spTree>
     <p:extLst>
       <p:ext uri="{BB962C8B-B14F-4D97-AF65-F5344CB8AC3E}">
-        <p14:creationId xmlns:p14="http://schemas.microsoft.com/office/powerpoint/2010/main" val="2916284037"/>
+        <p14:creationId xmlns:p14="http://schemas.microsoft.com/office/powerpoint/2010/main" val="2737372692"/>
       </p:ext>
     </p:extLst>
   </p:cSld>
@@ -3130,12 +3313,227 @@
           <a:chExt cx="0" cy="0"/>
         </a:xfrm>
       </p:grpSpPr>
+      <p:sp>
+        <p:nvSpPr>
+          <p:cNvPr id="2" name="標題 1">
+            <a:extLst>
+              <a:ext uri="{FF2B5EF4-FFF2-40B4-BE49-F238E27FC236}">
+                <a16:creationId xmlns:a16="http://schemas.microsoft.com/office/drawing/2014/main" id="{577A9769-DAB9-4D66-8AC3-A3EB117C5A6F}"/>
+              </a:ext>
+            </a:extLst>
+          </p:cNvPr>
+          <p:cNvSpPr>
+            <a:spLocks noGrp="1"/>
+          </p:cNvSpPr>
+          <p:nvPr>
+            <p:ph type="title"/>
+          </p:nvPr>
+        </p:nvSpPr>
+        <p:spPr>
+          <a:xfrm>
+            <a:off x="628649" y="256842"/>
+            <a:ext cx="7886700" cy="1325563"/>
+          </a:xfrm>
+        </p:spPr>
+        <p:txBody>
+          <a:bodyPr>
+            <a:normAutofit/>
+          </a:bodyPr>
+          <a:lstStyle/>
+          <a:p>
+            <a:pPr algn="ctr"/>
+            <a:r>
+              <a:rPr lang="zh-TW" altLang="en-US" sz="5400" dirty="0"/>
+              <a:t>輸入或選擇安裝途徑</a:t>
+            </a:r>
+          </a:p>
+        </p:txBody>
+      </p:sp>
+      <p:pic>
+        <p:nvPicPr>
+          <p:cNvPr id="5" name="內容版面配置區 4">
+            <a:extLst>
+              <a:ext uri="{FF2B5EF4-FFF2-40B4-BE49-F238E27FC236}">
+                <a16:creationId xmlns:a16="http://schemas.microsoft.com/office/drawing/2014/main" id="{609193E0-9BA6-4A8B-8EB6-D4DBD74B2BB1}"/>
+              </a:ext>
+            </a:extLst>
+          </p:cNvPr>
+          <p:cNvPicPr>
+            <a:picLocks noGrp="1" noChangeAspect="1"/>
+          </p:cNvPicPr>
+          <p:nvPr>
+            <p:ph idx="1"/>
+          </p:nvPr>
+        </p:nvPicPr>
+        <p:blipFill>
+          <a:blip r:embed="rId2">
+            <a:extLst>
+              <a:ext uri="{28A0092B-C50C-407E-A947-70E740481C1C}">
+                <a14:useLocalDpi xmlns:a14="http://schemas.microsoft.com/office/drawing/2010/main" val="0"/>
+              </a:ext>
+            </a:extLst>
+          </a:blip>
+          <a:stretch>
+            <a:fillRect/>
+          </a:stretch>
+        </p:blipFill>
+        <p:spPr>
+          <a:xfrm>
+            <a:off x="1947877" y="1582405"/>
+            <a:ext cx="5248243" cy="4443234"/>
+          </a:xfrm>
+        </p:spPr>
+      </p:pic>
+    </p:spTree>
+    <p:extLst>
+      <p:ext uri="{BB962C8B-B14F-4D97-AF65-F5344CB8AC3E}">
+        <p14:creationId xmlns:p14="http://schemas.microsoft.com/office/powerpoint/2010/main" val="2192434990"/>
+      </p:ext>
+    </p:extLst>
+  </p:cSld>
+  <p:clrMapOvr>
+    <a:masterClrMapping/>
+  </p:clrMapOvr>
+</p:sld>
+</file>
+
+<file path=ppt/slides/slide4.xml><?xml version="1.0" encoding="utf-8"?>
+<p:sld xmlns:a="http://schemas.openxmlformats.org/drawingml/2006/main" xmlns:r="http://schemas.openxmlformats.org/officeDocument/2006/relationships" xmlns:p="http://schemas.openxmlformats.org/presentationml/2006/main">
+  <p:cSld>
+    <p:spTree>
+      <p:nvGrpSpPr>
+        <p:cNvPr id="1" name=""/>
+        <p:cNvGrpSpPr/>
+        <p:nvPr/>
+      </p:nvGrpSpPr>
+      <p:grpSpPr>
+        <a:xfrm>
+          <a:off x="0" y="0"/>
+          <a:ext cx="0" cy="0"/>
+          <a:chOff x="0" y="0"/>
+          <a:chExt cx="0" cy="0"/>
+        </a:xfrm>
+      </p:grpSpPr>
+      <p:pic>
+        <p:nvPicPr>
+          <p:cNvPr id="3" name="圖片 2">
+            <a:extLst>
+              <a:ext uri="{FF2B5EF4-FFF2-40B4-BE49-F238E27FC236}">
+                <a16:creationId xmlns:a16="http://schemas.microsoft.com/office/drawing/2014/main" id="{EEEBD00C-0C4C-4AC3-A1CF-5C36FA75BCE2}"/>
+              </a:ext>
+            </a:extLst>
+          </p:cNvPr>
+          <p:cNvPicPr>
+            <a:picLocks noChangeAspect="1"/>
+          </p:cNvPicPr>
+          <p:nvPr/>
+        </p:nvPicPr>
+        <p:blipFill>
+          <a:blip r:embed="rId2">
+            <a:extLst>
+              <a:ext uri="{28A0092B-C50C-407E-A947-70E740481C1C}">
+                <a14:useLocalDpi xmlns:a14="http://schemas.microsoft.com/office/drawing/2010/main" val="0"/>
+              </a:ext>
+            </a:extLst>
+          </a:blip>
+          <a:stretch>
+            <a:fillRect/>
+          </a:stretch>
+        </p:blipFill>
+        <p:spPr>
+          <a:xfrm>
+            <a:off x="1380679" y="1366549"/>
+            <a:ext cx="6382641" cy="4124901"/>
+          </a:xfrm>
+          <a:prstGeom prst="rect">
+            <a:avLst/>
+          </a:prstGeom>
+        </p:spPr>
+      </p:pic>
+      <p:sp>
+        <p:nvSpPr>
+          <p:cNvPr id="4" name="矩形 3">
+            <a:extLst>
+              <a:ext uri="{FF2B5EF4-FFF2-40B4-BE49-F238E27FC236}">
+                <a16:creationId xmlns:a16="http://schemas.microsoft.com/office/drawing/2014/main" id="{19D965B4-E718-4FFF-B3B2-8B9AFCC77531}"/>
+              </a:ext>
+            </a:extLst>
+          </p:cNvPr>
+          <p:cNvSpPr/>
+          <p:nvPr/>
+        </p:nvSpPr>
+        <p:spPr>
+          <a:xfrm>
+            <a:off x="2055925" y="294363"/>
+            <a:ext cx="5032147" cy="923330"/>
+          </a:xfrm>
+          <a:prstGeom prst="rect">
+            <a:avLst/>
+          </a:prstGeom>
+          <a:noFill/>
+        </p:spPr>
+        <p:txBody>
+          <a:bodyPr wrap="none" lIns="91440" tIns="45720" rIns="91440" bIns="45720">
+            <a:spAutoFit/>
+          </a:bodyPr>
+          <a:lstStyle/>
+          <a:p>
+            <a:pPr algn="ctr"/>
+            <a:r>
+              <a:rPr lang="zh-TW" altLang="en-US" sz="5400" b="0" cap="none" spc="0" dirty="0">
+                <a:ln w="0"/>
+                <a:solidFill>
+                  <a:schemeClr val="tx1"/>
+                </a:solidFill>
+                <a:effectLst>
+                  <a:outerShdw blurRad="38100" dist="19050" dir="2700000" algn="tl" rotWithShape="0">
+                    <a:schemeClr val="dk1">
+                      <a:alpha val="40000"/>
+                    </a:schemeClr>
+                  </a:outerShdw>
+                </a:effectLst>
+              </a:rPr>
+              <a:t>勾選需要的功能</a:t>
+            </a:r>
+          </a:p>
+        </p:txBody>
+      </p:sp>
+    </p:spTree>
+    <p:extLst>
+      <p:ext uri="{BB962C8B-B14F-4D97-AF65-F5344CB8AC3E}">
+        <p14:creationId xmlns:p14="http://schemas.microsoft.com/office/powerpoint/2010/main" val="803859953"/>
+      </p:ext>
+    </p:extLst>
+  </p:cSld>
+  <p:clrMapOvr>
+    <a:masterClrMapping/>
+  </p:clrMapOvr>
+</p:sld>
+</file>
+
+<file path=ppt/slides/slide5.xml><?xml version="1.0" encoding="utf-8"?>
+<p:sld xmlns:a="http://schemas.openxmlformats.org/drawingml/2006/main" xmlns:r="http://schemas.openxmlformats.org/officeDocument/2006/relationships" xmlns:p="http://schemas.openxmlformats.org/presentationml/2006/main">
+  <p:cSld>
+    <p:spTree>
+      <p:nvGrpSpPr>
+        <p:cNvPr id="1" name=""/>
+        <p:cNvGrpSpPr/>
+        <p:nvPr/>
+      </p:nvGrpSpPr>
+      <p:grpSpPr>
+        <a:xfrm>
+          <a:off x="0" y="0"/>
+          <a:ext cx="0" cy="0"/>
+          <a:chOff x="0" y="0"/>
+          <a:chExt cx="0" cy="0"/>
+        </a:xfrm>
+      </p:grpSpPr>
       <p:pic>
         <p:nvPicPr>
           <p:cNvPr id="9" name="圖片 8">
             <a:extLst>
               <a:ext uri="{FF2B5EF4-FFF2-40B4-BE49-F238E27FC236}">
-                <a16:creationId xmlns:a16="http://schemas.microsoft.com/office/drawing/2014/main" xmlns="" id="{461E6756-F41F-4BC1-8D56-6C063D47045C}"/>
+                <a16:creationId xmlns:a16="http://schemas.microsoft.com/office/drawing/2014/main" id="{461E6756-F41F-4BC1-8D56-6C063D47045C}"/>
               </a:ext>
             </a:extLst>
           </p:cNvPr>
@@ -3179,7 +3577,7 @@
 </p:sld>
 </file>
 
-<file path=ppt/slides/slide4.xml><?xml version="1.0" encoding="utf-8"?>
+<file path=ppt/slides/slide6.xml><?xml version="1.0" encoding="utf-8"?>
 <p:sld xmlns:a="http://schemas.openxmlformats.org/drawingml/2006/main" xmlns:r="http://schemas.openxmlformats.org/officeDocument/2006/relationships" xmlns:p="http://schemas.openxmlformats.org/presentationml/2006/main">
   <p:cSld>
     <p:spTree>
@@ -3201,7 +3599,7 @@
           <p:cNvPr id="5" name="圖片 4">
             <a:extLst>
               <a:ext uri="{FF2B5EF4-FFF2-40B4-BE49-F238E27FC236}">
-                <a16:creationId xmlns:a16="http://schemas.microsoft.com/office/drawing/2014/main" xmlns="" id="{728C8C66-0AE1-45A8-8981-7AC46DA6A859}"/>
+                <a16:creationId xmlns:a16="http://schemas.microsoft.com/office/drawing/2014/main" id="{728C8C66-0AE1-45A8-8981-7AC46DA6A859}"/>
               </a:ext>
             </a:extLst>
           </p:cNvPr>
@@ -3245,7 +3643,7 @@
 </p:sld>
 </file>
 
-<file path=ppt/slides/slide5.xml><?xml version="1.0" encoding="utf-8"?>
+<file path=ppt/slides/slide7.xml><?xml version="1.0" encoding="utf-8"?>
 <p:sld xmlns:a="http://schemas.openxmlformats.org/drawingml/2006/main" xmlns:r="http://schemas.openxmlformats.org/officeDocument/2006/relationships" xmlns:p="http://schemas.openxmlformats.org/presentationml/2006/main">
   <p:cSld>
     <p:spTree>
@@ -3267,7 +3665,7 @@
           <p:cNvPr id="5" name="圖片 4">
             <a:extLst>
               <a:ext uri="{FF2B5EF4-FFF2-40B4-BE49-F238E27FC236}">
-                <a16:creationId xmlns:a16="http://schemas.microsoft.com/office/drawing/2014/main" xmlns="" id="{CF367E4D-8F95-4512-8DC3-3488BECB55A7}"/>
+                <a16:creationId xmlns:a16="http://schemas.microsoft.com/office/drawing/2014/main" id="{CF367E4D-8F95-4512-8DC3-3488BECB55A7}"/>
               </a:ext>
             </a:extLst>
           </p:cNvPr>
@@ -3311,7 +3709,7 @@
 </p:sld>
 </file>
 
-<file path=ppt/slides/slide6.xml><?xml version="1.0" encoding="utf-8"?>
+<file path=ppt/slides/slide8.xml><?xml version="1.0" encoding="utf-8"?>
 <p:sld xmlns:a="http://schemas.openxmlformats.org/drawingml/2006/main" xmlns:r="http://schemas.openxmlformats.org/officeDocument/2006/relationships" xmlns:p="http://schemas.openxmlformats.org/presentationml/2006/main">
   <p:cSld>
     <p:spTree>
@@ -3333,7 +3731,7 @@
           <p:cNvPr id="3" name="圖片 2">
             <a:extLst>
               <a:ext uri="{FF2B5EF4-FFF2-40B4-BE49-F238E27FC236}">
-                <a16:creationId xmlns:a16="http://schemas.microsoft.com/office/drawing/2014/main" xmlns="" id="{4F3DA20F-B4FD-40B4-8704-D81A55E50B7F}"/>
+                <a16:creationId xmlns:a16="http://schemas.microsoft.com/office/drawing/2014/main" id="{4F3DA20F-B4FD-40B4-8704-D81A55E50B7F}"/>
               </a:ext>
             </a:extLst>
           </p:cNvPr>
@@ -3368,6 +3766,72 @@
     <p:extLst>
       <p:ext uri="{BB962C8B-B14F-4D97-AF65-F5344CB8AC3E}">
         <p14:creationId xmlns:p14="http://schemas.microsoft.com/office/powerpoint/2010/main" val="3463592045"/>
+      </p:ext>
+    </p:extLst>
+  </p:cSld>
+  <p:clrMapOvr>
+    <a:masterClrMapping/>
+  </p:clrMapOvr>
+</p:sld>
+</file>
+
+<file path=ppt/slides/slide9.xml><?xml version="1.0" encoding="utf-8"?>
+<p:sld xmlns:a="http://schemas.openxmlformats.org/drawingml/2006/main" xmlns:r="http://schemas.openxmlformats.org/officeDocument/2006/relationships" xmlns:p="http://schemas.openxmlformats.org/presentationml/2006/main">
+  <p:cSld>
+    <p:spTree>
+      <p:nvGrpSpPr>
+        <p:cNvPr id="1" name=""/>
+        <p:cNvGrpSpPr/>
+        <p:nvPr/>
+      </p:nvGrpSpPr>
+      <p:grpSpPr>
+        <a:xfrm>
+          <a:off x="0" y="0"/>
+          <a:ext cx="0" cy="0"/>
+          <a:chOff x="0" y="0"/>
+          <a:chExt cx="0" cy="0"/>
+        </a:xfrm>
+      </p:grpSpPr>
+      <p:pic>
+        <p:nvPicPr>
+          <p:cNvPr id="3" name="圖片 2">
+            <a:extLst>
+              <a:ext uri="{FF2B5EF4-FFF2-40B4-BE49-F238E27FC236}">
+                <a16:creationId xmlns:a16="http://schemas.microsoft.com/office/drawing/2014/main" id="{ECA294E8-5A9F-4559-A528-486C691C50D4}"/>
+              </a:ext>
+            </a:extLst>
+          </p:cNvPr>
+          <p:cNvPicPr>
+            <a:picLocks noChangeAspect="1"/>
+          </p:cNvPicPr>
+          <p:nvPr/>
+        </p:nvPicPr>
+        <p:blipFill>
+          <a:blip r:embed="rId2">
+            <a:extLst>
+              <a:ext uri="{28A0092B-C50C-407E-A947-70E740481C1C}">
+                <a14:useLocalDpi xmlns:a14="http://schemas.microsoft.com/office/drawing/2010/main" val="0"/>
+              </a:ext>
+            </a:extLst>
+          </a:blip>
+          <a:stretch>
+            <a:fillRect/>
+          </a:stretch>
+        </p:blipFill>
+        <p:spPr>
+          <a:xfrm>
+            <a:off x="962624" y="613610"/>
+            <a:ext cx="7218752" cy="5630780"/>
+          </a:xfrm>
+          <a:prstGeom prst="rect">
+            <a:avLst/>
+          </a:prstGeom>
+        </p:spPr>
+      </p:pic>
+    </p:spTree>
+    <p:extLst>
+      <p:ext uri="{BB962C8B-B14F-4D97-AF65-F5344CB8AC3E}">
+        <p14:creationId xmlns:p14="http://schemas.microsoft.com/office/powerpoint/2010/main" val="4273231972"/>
       </p:ext>
     </p:extLst>
   </p:cSld>
